--- a/2024-October_LON-v2/Language/SoundMap-Square.pptx
+++ b/2024-October_LON-v2/Language/SoundMap-Square.pptx
@@ -193,7 +193,7 @@
           <a:p>
             <a:fld id="{0EEA27A2-A483-45FC-9EC0-0FA0BD27FB4C}" type="datetimeFigureOut">
               <a:rPr lang="en-US" smtClean="0"/>
-              <a:t>10/5/2024</a:t>
+              <a:t>10/7/2024</a:t>
             </a:fld>
             <a:endParaRPr lang="en-US"/>
           </a:p>
@@ -732,7 +732,7 @@
           <a:p>
             <a:fld id="{15B3AE9A-0F1D-40B6-BF30-B797836331EB}" type="datetimeFigureOut">
               <a:rPr lang="en-US" smtClean="0"/>
-              <a:t>10/5/2024</a:t>
+              <a:t>10/7/2024</a:t>
             </a:fld>
             <a:endParaRPr lang="en-US"/>
           </a:p>
@@ -902,7 +902,7 @@
           <a:p>
             <a:fld id="{15B3AE9A-0F1D-40B6-BF30-B797836331EB}" type="datetimeFigureOut">
               <a:rPr lang="en-US" smtClean="0"/>
-              <a:t>10/5/2024</a:t>
+              <a:t>10/7/2024</a:t>
             </a:fld>
             <a:endParaRPr lang="en-US"/>
           </a:p>
@@ -1082,7 +1082,7 @@
           <a:p>
             <a:fld id="{15B3AE9A-0F1D-40B6-BF30-B797836331EB}" type="datetimeFigureOut">
               <a:rPr lang="en-US" smtClean="0"/>
-              <a:t>10/5/2024</a:t>
+              <a:t>10/7/2024</a:t>
             </a:fld>
             <a:endParaRPr lang="en-US"/>
           </a:p>
@@ -1252,7 +1252,7 @@
           <a:p>
             <a:fld id="{15B3AE9A-0F1D-40B6-BF30-B797836331EB}" type="datetimeFigureOut">
               <a:rPr lang="en-US" smtClean="0"/>
-              <a:t>10/5/2024</a:t>
+              <a:t>10/7/2024</a:t>
             </a:fld>
             <a:endParaRPr lang="en-US"/>
           </a:p>
@@ -1498,7 +1498,7 @@
           <a:p>
             <a:fld id="{15B3AE9A-0F1D-40B6-BF30-B797836331EB}" type="datetimeFigureOut">
               <a:rPr lang="en-US" smtClean="0"/>
-              <a:t>10/5/2024</a:t>
+              <a:t>10/7/2024</a:t>
             </a:fld>
             <a:endParaRPr lang="en-US"/>
           </a:p>
@@ -1786,7 +1786,7 @@
           <a:p>
             <a:fld id="{15B3AE9A-0F1D-40B6-BF30-B797836331EB}" type="datetimeFigureOut">
               <a:rPr lang="en-US" smtClean="0"/>
-              <a:t>10/5/2024</a:t>
+              <a:t>10/7/2024</a:t>
             </a:fld>
             <a:endParaRPr lang="en-US"/>
           </a:p>
@@ -2213,7 +2213,7 @@
           <a:p>
             <a:fld id="{15B3AE9A-0F1D-40B6-BF30-B797836331EB}" type="datetimeFigureOut">
               <a:rPr lang="en-US" smtClean="0"/>
-              <a:t>10/5/2024</a:t>
+              <a:t>10/7/2024</a:t>
             </a:fld>
             <a:endParaRPr lang="en-US"/>
           </a:p>
@@ -2331,7 +2331,7 @@
           <a:p>
             <a:fld id="{15B3AE9A-0F1D-40B6-BF30-B797836331EB}" type="datetimeFigureOut">
               <a:rPr lang="en-US" smtClean="0"/>
-              <a:t>10/5/2024</a:t>
+              <a:t>10/7/2024</a:t>
             </a:fld>
             <a:endParaRPr lang="en-US"/>
           </a:p>
@@ -2426,7 +2426,7 @@
           <a:p>
             <a:fld id="{15B3AE9A-0F1D-40B6-BF30-B797836331EB}" type="datetimeFigureOut">
               <a:rPr lang="en-US" smtClean="0"/>
-              <a:t>10/5/2024</a:t>
+              <a:t>10/7/2024</a:t>
             </a:fld>
             <a:endParaRPr lang="en-US"/>
           </a:p>
@@ -2703,7 +2703,7 @@
           <a:p>
             <a:fld id="{15B3AE9A-0F1D-40B6-BF30-B797836331EB}" type="datetimeFigureOut">
               <a:rPr lang="en-US" smtClean="0"/>
-              <a:t>10/5/2024</a:t>
+              <a:t>10/7/2024</a:t>
             </a:fld>
             <a:endParaRPr lang="en-US"/>
           </a:p>
@@ -2956,7 +2956,7 @@
           <a:p>
             <a:fld id="{15B3AE9A-0F1D-40B6-BF30-B797836331EB}" type="datetimeFigureOut">
               <a:rPr lang="en-US" smtClean="0"/>
-              <a:t>10/5/2024</a:t>
+              <a:t>10/7/2024</a:t>
             </a:fld>
             <a:endParaRPr lang="en-US"/>
           </a:p>
@@ -3169,7 +3169,7 @@
           <a:p>
             <a:fld id="{15B3AE9A-0F1D-40B6-BF30-B797836331EB}" type="datetimeFigureOut">
               <a:rPr lang="en-US" smtClean="0"/>
-              <a:t>10/5/2024</a:t>
+              <a:t>10/7/2024</a:t>
             </a:fld>
             <a:endParaRPr lang="en-US"/>
           </a:p>
@@ -3778,7 +3778,7 @@
         </p:blipFill>
         <p:spPr>
           <a:xfrm flipH="1">
-            <a:off x="9829805" y="1175180"/>
+            <a:off x="10134600" y="762000"/>
             <a:ext cx="6629399" cy="6723213"/>
           </a:xfrm>
           <a:prstGeom prst="rect">
@@ -5655,6 +5655,655 @@
           </p:style>
         </p:cxnSp>
       </p:grpSp>
+      <p:cxnSp>
+        <p:nvCxnSpPr>
+          <p:cNvPr id="65" name="Straight Arrow Connector 64"/>
+          <p:cNvCxnSpPr/>
+          <p:nvPr/>
+        </p:nvCxnSpPr>
+        <p:spPr>
+          <a:xfrm flipH="1">
+            <a:off x="736600" y="4383071"/>
+            <a:ext cx="838200" cy="279860"/>
+          </a:xfrm>
+          <a:prstGeom prst="straightConnector1">
+            <a:avLst/>
+          </a:prstGeom>
+          <a:ln w="63500">
+            <a:solidFill>
+              <a:schemeClr val="bg1">
+                <a:lumMod val="85000"/>
+              </a:schemeClr>
+            </a:solidFill>
+            <a:tailEnd type="arrow"/>
+          </a:ln>
+        </p:spPr>
+        <p:style>
+          <a:lnRef idx="1">
+            <a:schemeClr val="accent1"/>
+          </a:lnRef>
+          <a:fillRef idx="0">
+            <a:schemeClr val="accent1"/>
+          </a:fillRef>
+          <a:effectRef idx="0">
+            <a:schemeClr val="accent1"/>
+          </a:effectRef>
+          <a:fontRef idx="minor">
+            <a:schemeClr val="tx1"/>
+          </a:fontRef>
+        </p:style>
+      </p:cxnSp>
+      <p:sp>
+        <p:nvSpPr>
+          <p:cNvPr id="68" name="TextBox 67"/>
+          <p:cNvSpPr txBox="1"/>
+          <p:nvPr/>
+        </p:nvSpPr>
+        <p:spPr>
+          <a:xfrm>
+            <a:off x="7068288" y="457200"/>
+            <a:ext cx="780312" cy="646319"/>
+          </a:xfrm>
+          <a:prstGeom prst="rect">
+            <a:avLst/>
+          </a:prstGeom>
+          <a:noFill/>
+        </p:spPr>
+        <p:txBody>
+          <a:bodyPr wrap="square" lIns="91429" tIns="45714" rIns="91429" bIns="45714" rtlCol="0">
+            <a:spAutoFit/>
+          </a:bodyPr>
+          <a:lstStyle/>
+          <a:p>
+            <a:pPr algn="ctr"/>
+            <a:r>
+              <a:rPr lang="en-US" sz="3600" b="1" smtClean="0">
+                <a:solidFill>
+                  <a:schemeClr val="accent2"/>
+                </a:solidFill>
+                <a:latin typeface="Bookman Old Style" pitchFamily="18" charset="0"/>
+              </a:rPr>
+              <a:t>@</a:t>
+            </a:r>
+            <a:endParaRPr lang="en-US" sz="3600" b="1">
+              <a:solidFill>
+                <a:schemeClr val="accent2"/>
+              </a:solidFill>
+              <a:latin typeface="Bookman Old Style" pitchFamily="18" charset="0"/>
+            </a:endParaRPr>
+          </a:p>
+        </p:txBody>
+      </p:sp>
+      <p:sp>
+        <p:nvSpPr>
+          <p:cNvPr id="69" name="TextBox 68"/>
+          <p:cNvSpPr txBox="1"/>
+          <p:nvPr/>
+        </p:nvSpPr>
+        <p:spPr>
+          <a:xfrm>
+            <a:off x="146041" y="4495903"/>
+            <a:ext cx="780312" cy="646319"/>
+          </a:xfrm>
+          <a:prstGeom prst="rect">
+            <a:avLst/>
+          </a:prstGeom>
+          <a:noFill/>
+        </p:spPr>
+        <p:txBody>
+          <a:bodyPr wrap="square" lIns="91429" tIns="45714" rIns="91429" bIns="45714" rtlCol="0">
+            <a:spAutoFit/>
+          </a:bodyPr>
+          <a:lstStyle/>
+          <a:p>
+            <a:pPr algn="ctr"/>
+            <a:r>
+              <a:rPr lang="en-US" sz="3600" b="1" smtClean="0">
+                <a:solidFill>
+                  <a:schemeClr val="accent1">
+                    <a:lumMod val="60000"/>
+                    <a:lumOff val="40000"/>
+                  </a:schemeClr>
+                </a:solidFill>
+                <a:latin typeface="Bookman Old Style" pitchFamily="18" charset="0"/>
+              </a:rPr>
+              <a:t>?</a:t>
+            </a:r>
+            <a:endParaRPr lang="en-US" sz="3600" b="1">
+              <a:solidFill>
+                <a:schemeClr val="accent1">
+                  <a:lumMod val="60000"/>
+                  <a:lumOff val="40000"/>
+                </a:schemeClr>
+              </a:solidFill>
+              <a:latin typeface="Bookman Old Style" pitchFamily="18" charset="0"/>
+            </a:endParaRPr>
+          </a:p>
+        </p:txBody>
+      </p:sp>
+      <p:sp>
+        <p:nvSpPr>
+          <p:cNvPr id="70" name="TextBox 69"/>
+          <p:cNvSpPr txBox="1"/>
+          <p:nvPr/>
+        </p:nvSpPr>
+        <p:spPr>
+          <a:xfrm>
+            <a:off x="7670800" y="3861510"/>
+            <a:ext cx="780312" cy="646319"/>
+          </a:xfrm>
+          <a:prstGeom prst="rect">
+            <a:avLst/>
+          </a:prstGeom>
+          <a:noFill/>
+        </p:spPr>
+        <p:txBody>
+          <a:bodyPr wrap="square" lIns="91429" tIns="45714" rIns="91429" bIns="45714" rtlCol="0">
+            <a:spAutoFit/>
+          </a:bodyPr>
+          <a:lstStyle/>
+          <a:p>
+            <a:pPr algn="ctr"/>
+            <a:r>
+              <a:rPr lang="en-US" sz="3600" b="1" smtClean="0">
+                <a:solidFill>
+                  <a:schemeClr val="bg1">
+                    <a:lumMod val="65000"/>
+                  </a:schemeClr>
+                </a:solidFill>
+                <a:latin typeface="Bookman Old Style" pitchFamily="18" charset="0"/>
+              </a:rPr>
+              <a:t>&gt;</a:t>
+            </a:r>
+            <a:endParaRPr lang="en-US" sz="3600" b="1">
+              <a:solidFill>
+                <a:schemeClr val="bg1">
+                  <a:lumMod val="65000"/>
+                </a:schemeClr>
+              </a:solidFill>
+              <a:latin typeface="Bookman Old Style" pitchFamily="18" charset="0"/>
+            </a:endParaRPr>
+          </a:p>
+        </p:txBody>
+      </p:sp>
+      <p:sp>
+        <p:nvSpPr>
+          <p:cNvPr id="73" name="TextBox 72"/>
+          <p:cNvSpPr txBox="1"/>
+          <p:nvPr/>
+        </p:nvSpPr>
+        <p:spPr>
+          <a:xfrm>
+            <a:off x="7543800" y="4724400"/>
+            <a:ext cx="780312" cy="646319"/>
+          </a:xfrm>
+          <a:prstGeom prst="rect">
+            <a:avLst/>
+          </a:prstGeom>
+          <a:noFill/>
+        </p:spPr>
+        <p:txBody>
+          <a:bodyPr wrap="square" lIns="91429" tIns="45714" rIns="91429" bIns="45714" rtlCol="0">
+            <a:spAutoFit/>
+          </a:bodyPr>
+          <a:lstStyle/>
+          <a:p>
+            <a:pPr algn="ctr"/>
+            <a:r>
+              <a:rPr lang="en-US" sz="3600" b="1" smtClean="0">
+                <a:solidFill>
+                  <a:schemeClr val="bg1">
+                    <a:lumMod val="65000"/>
+                  </a:schemeClr>
+                </a:solidFill>
+                <a:latin typeface="Bookman Old Style" pitchFamily="18" charset="0"/>
+              </a:rPr>
+              <a:t>*</a:t>
+            </a:r>
+            <a:endParaRPr lang="en-US" sz="3600" b="1">
+              <a:solidFill>
+                <a:schemeClr val="bg1">
+                  <a:lumMod val="65000"/>
+                </a:schemeClr>
+              </a:solidFill>
+              <a:latin typeface="Bookman Old Style" pitchFamily="18" charset="0"/>
+            </a:endParaRPr>
+          </a:p>
+        </p:txBody>
+      </p:sp>
+      <p:sp>
+        <p:nvSpPr>
+          <p:cNvPr id="74" name="TextBox 73"/>
+          <p:cNvSpPr txBox="1"/>
+          <p:nvPr/>
+        </p:nvSpPr>
+        <p:spPr>
+          <a:xfrm>
+            <a:off x="7511699" y="3140865"/>
+            <a:ext cx="780312" cy="646319"/>
+          </a:xfrm>
+          <a:prstGeom prst="rect">
+            <a:avLst/>
+          </a:prstGeom>
+          <a:noFill/>
+        </p:spPr>
+        <p:txBody>
+          <a:bodyPr wrap="square" lIns="91429" tIns="45714" rIns="91429" bIns="45714" rtlCol="0">
+            <a:spAutoFit/>
+          </a:bodyPr>
+          <a:lstStyle/>
+          <a:p>
+            <a:pPr algn="ctr"/>
+            <a:r>
+              <a:rPr lang="en-US" sz="3600" b="1" smtClean="0">
+                <a:solidFill>
+                  <a:schemeClr val="bg1">
+                    <a:lumMod val="65000"/>
+                  </a:schemeClr>
+                </a:solidFill>
+                <a:latin typeface="Bookman Old Style" pitchFamily="18" charset="0"/>
+              </a:rPr>
+              <a:t>$</a:t>
+            </a:r>
+            <a:endParaRPr lang="en-US" sz="3600" b="1">
+              <a:solidFill>
+                <a:schemeClr val="bg1">
+                  <a:lumMod val="65000"/>
+                </a:schemeClr>
+              </a:solidFill>
+              <a:latin typeface="Bookman Old Style" pitchFamily="18" charset="0"/>
+            </a:endParaRPr>
+          </a:p>
+        </p:txBody>
+      </p:sp>
+      <p:sp>
+        <p:nvSpPr>
+          <p:cNvPr id="75" name="TextBox 74"/>
+          <p:cNvSpPr txBox="1"/>
+          <p:nvPr/>
+        </p:nvSpPr>
+        <p:spPr>
+          <a:xfrm>
+            <a:off x="1475997" y="2368804"/>
+            <a:ext cx="780312" cy="646319"/>
+          </a:xfrm>
+          <a:prstGeom prst="rect">
+            <a:avLst/>
+          </a:prstGeom>
+          <a:noFill/>
+        </p:spPr>
+        <p:txBody>
+          <a:bodyPr wrap="square" lIns="91429" tIns="45714" rIns="91429" bIns="45714" rtlCol="0">
+            <a:spAutoFit/>
+          </a:bodyPr>
+          <a:lstStyle/>
+          <a:p>
+            <a:pPr algn="ctr"/>
+            <a:r>
+              <a:rPr lang="en-US" sz="3600" b="1" smtClean="0">
+                <a:solidFill>
+                  <a:schemeClr val="bg1">
+                    <a:lumMod val="65000"/>
+                  </a:schemeClr>
+                </a:solidFill>
+                <a:latin typeface="Bookman Old Style" pitchFamily="18" charset="0"/>
+              </a:rPr>
+              <a:t>%</a:t>
+            </a:r>
+            <a:endParaRPr lang="en-US" sz="3600" b="1">
+              <a:solidFill>
+                <a:schemeClr val="bg1">
+                  <a:lumMod val="65000"/>
+                </a:schemeClr>
+              </a:solidFill>
+              <a:latin typeface="Bookman Old Style" pitchFamily="18" charset="0"/>
+            </a:endParaRPr>
+          </a:p>
+        </p:txBody>
+      </p:sp>
+      <p:sp>
+        <p:nvSpPr>
+          <p:cNvPr id="76" name="TextBox 75"/>
+          <p:cNvSpPr txBox="1"/>
+          <p:nvPr/>
+        </p:nvSpPr>
+        <p:spPr>
+          <a:xfrm>
+            <a:off x="1048488" y="2209800"/>
+            <a:ext cx="780312" cy="923318"/>
+          </a:xfrm>
+          <a:prstGeom prst="rect">
+            <a:avLst/>
+          </a:prstGeom>
+          <a:noFill/>
+        </p:spPr>
+        <p:txBody>
+          <a:bodyPr wrap="square" lIns="91429" tIns="45714" rIns="91429" bIns="45714" rtlCol="0">
+            <a:spAutoFit/>
+          </a:bodyPr>
+          <a:lstStyle/>
+          <a:p>
+            <a:pPr algn="ctr"/>
+            <a:r>
+              <a:rPr lang="ru-RU" sz="5400" b="1">
+                <a:solidFill>
+                  <a:schemeClr val="bg1">
+                    <a:lumMod val="65000"/>
+                  </a:schemeClr>
+                </a:solidFill>
+                <a:latin typeface="Gabriola" pitchFamily="82" charset="0"/>
+                <a:ea typeface="Adobe Fan Heiti Std B" pitchFamily="34" charset="-128"/>
+                <a:cs typeface="Adobe Arabic" pitchFamily="18" charset="-78"/>
+              </a:rPr>
+              <a:t>ж</a:t>
+            </a:r>
+            <a:endParaRPr lang="en-US" sz="5400" b="1">
+              <a:solidFill>
+                <a:schemeClr val="bg1">
+                  <a:lumMod val="65000"/>
+                </a:schemeClr>
+              </a:solidFill>
+              <a:latin typeface="Gabriola" pitchFamily="82" charset="0"/>
+              <a:ea typeface="Adobe Fan Heiti Std B" pitchFamily="34" charset="-128"/>
+              <a:cs typeface="Adobe Arabic" pitchFamily="18" charset="-78"/>
+            </a:endParaRPr>
+          </a:p>
+        </p:txBody>
+      </p:sp>
+      <p:sp>
+        <p:nvSpPr>
+          <p:cNvPr id="78" name="TextBox 77"/>
+          <p:cNvSpPr txBox="1"/>
+          <p:nvPr/>
+        </p:nvSpPr>
+        <p:spPr>
+          <a:xfrm>
+            <a:off x="7848600" y="4648200"/>
+            <a:ext cx="780312" cy="923318"/>
+          </a:xfrm>
+          <a:prstGeom prst="rect">
+            <a:avLst/>
+          </a:prstGeom>
+          <a:noFill/>
+        </p:spPr>
+        <p:txBody>
+          <a:bodyPr wrap="square" lIns="91429" tIns="45714" rIns="91429" bIns="45714" rtlCol="0">
+            <a:spAutoFit/>
+          </a:bodyPr>
+          <a:lstStyle/>
+          <a:p>
+            <a:pPr algn="ctr"/>
+            <a:r>
+              <a:rPr lang="ru-RU" sz="5400" b="1">
+                <a:solidFill>
+                  <a:schemeClr val="bg1">
+                    <a:lumMod val="65000"/>
+                  </a:schemeClr>
+                </a:solidFill>
+                <a:latin typeface="Gabriola" pitchFamily="82" charset="0"/>
+                <a:ea typeface="Adobe Fan Heiti Std B" pitchFamily="34" charset="-128"/>
+                <a:cs typeface="Adobe Arabic" pitchFamily="18" charset="-78"/>
+              </a:rPr>
+              <a:t>ш</a:t>
+            </a:r>
+            <a:endParaRPr lang="en-US" sz="5400" b="1">
+              <a:solidFill>
+                <a:schemeClr val="bg1">
+                  <a:lumMod val="65000"/>
+                </a:schemeClr>
+              </a:solidFill>
+              <a:latin typeface="Gabriola" pitchFamily="82" charset="0"/>
+              <a:ea typeface="Adobe Fan Heiti Std B" pitchFamily="34" charset="-128"/>
+              <a:cs typeface="Adobe Arabic" pitchFamily="18" charset="-78"/>
+            </a:endParaRPr>
+          </a:p>
+        </p:txBody>
+      </p:sp>
+      <p:sp>
+        <p:nvSpPr>
+          <p:cNvPr id="79" name="TextBox 78"/>
+          <p:cNvSpPr txBox="1"/>
+          <p:nvPr/>
+        </p:nvSpPr>
+        <p:spPr>
+          <a:xfrm>
+            <a:off x="7906488" y="2971800"/>
+            <a:ext cx="780312" cy="923318"/>
+          </a:xfrm>
+          <a:prstGeom prst="rect">
+            <a:avLst/>
+          </a:prstGeom>
+          <a:noFill/>
+        </p:spPr>
+        <p:txBody>
+          <a:bodyPr wrap="square" lIns="91429" tIns="45714" rIns="91429" bIns="45714" rtlCol="0">
+            <a:spAutoFit/>
+          </a:bodyPr>
+          <a:lstStyle/>
+          <a:p>
+            <a:pPr algn="ctr"/>
+            <a:r>
+              <a:rPr lang="ru-RU" sz="5400" b="1">
+                <a:solidFill>
+                  <a:schemeClr val="bg1">
+                    <a:lumMod val="65000"/>
+                  </a:schemeClr>
+                </a:solidFill>
+                <a:latin typeface="Gabriola" pitchFamily="82" charset="0"/>
+                <a:ea typeface="Adobe Fan Heiti Std B" pitchFamily="34" charset="-128"/>
+                <a:cs typeface="Adobe Arabic" pitchFamily="18" charset="-78"/>
+              </a:rPr>
+              <a:t>ч</a:t>
+            </a:r>
+            <a:endParaRPr lang="en-US" sz="5400" b="1">
+              <a:solidFill>
+                <a:schemeClr val="bg1">
+                  <a:lumMod val="65000"/>
+                </a:schemeClr>
+              </a:solidFill>
+              <a:latin typeface="Gabriola" pitchFamily="82" charset="0"/>
+              <a:ea typeface="Adobe Fan Heiti Std B" pitchFamily="34" charset="-128"/>
+              <a:cs typeface="Adobe Arabic" pitchFamily="18" charset="-78"/>
+            </a:endParaRPr>
+          </a:p>
+        </p:txBody>
+      </p:sp>
+      <p:sp>
+        <p:nvSpPr>
+          <p:cNvPr id="80" name="TextBox 79"/>
+          <p:cNvSpPr txBox="1"/>
+          <p:nvPr/>
+        </p:nvSpPr>
+        <p:spPr>
+          <a:xfrm>
+            <a:off x="10658759" y="7507081"/>
+            <a:ext cx="780312" cy="923318"/>
+          </a:xfrm>
+          <a:prstGeom prst="rect">
+            <a:avLst/>
+          </a:prstGeom>
+          <a:noFill/>
+        </p:spPr>
+        <p:txBody>
+          <a:bodyPr wrap="square" lIns="91429" tIns="45714" rIns="91429" bIns="45714" rtlCol="0">
+            <a:spAutoFit/>
+          </a:bodyPr>
+          <a:lstStyle/>
+          <a:p>
+            <a:pPr algn="ctr"/>
+            <a:r>
+              <a:rPr lang="ru-RU" sz="5400" b="1">
+                <a:solidFill>
+                  <a:schemeClr val="bg1">
+                    <a:lumMod val="65000"/>
+                  </a:schemeClr>
+                </a:solidFill>
+                <a:latin typeface="Gabriola" pitchFamily="82" charset="0"/>
+                <a:ea typeface="Adobe Fan Heiti Std B" pitchFamily="34" charset="-128"/>
+                <a:cs typeface="Adobe Arabic" pitchFamily="18" charset="-78"/>
+              </a:rPr>
+              <a:t>ж</a:t>
+            </a:r>
+            <a:endParaRPr lang="en-US" sz="5400" b="1">
+              <a:solidFill>
+                <a:schemeClr val="bg1">
+                  <a:lumMod val="65000"/>
+                </a:schemeClr>
+              </a:solidFill>
+              <a:latin typeface="Gabriola" pitchFamily="82" charset="0"/>
+              <a:ea typeface="Adobe Fan Heiti Std B" pitchFamily="34" charset="-128"/>
+              <a:cs typeface="Adobe Arabic" pitchFamily="18" charset="-78"/>
+            </a:endParaRPr>
+          </a:p>
+        </p:txBody>
+      </p:sp>
+      <p:sp>
+        <p:nvSpPr>
+          <p:cNvPr id="81" name="TextBox 80"/>
+          <p:cNvSpPr txBox="1"/>
+          <p:nvPr/>
+        </p:nvSpPr>
+        <p:spPr>
+          <a:xfrm>
+            <a:off x="10811159" y="7659481"/>
+            <a:ext cx="780312" cy="923318"/>
+          </a:xfrm>
+          <a:prstGeom prst="rect">
+            <a:avLst/>
+          </a:prstGeom>
+          <a:noFill/>
+        </p:spPr>
+        <p:txBody>
+          <a:bodyPr wrap="square" lIns="91429" tIns="45714" rIns="91429" bIns="45714" rtlCol="0">
+            <a:spAutoFit/>
+          </a:bodyPr>
+          <a:lstStyle/>
+          <a:p>
+            <a:pPr algn="ctr"/>
+            <a:r>
+              <a:rPr lang="ru-RU" sz="5400" b="1">
+                <a:solidFill>
+                  <a:schemeClr val="bg1">
+                    <a:lumMod val="65000"/>
+                  </a:schemeClr>
+                </a:solidFill>
+                <a:latin typeface="Gabriola" pitchFamily="82" charset="0"/>
+                <a:ea typeface="Adobe Fan Heiti Std B" pitchFamily="34" charset="-128"/>
+                <a:cs typeface="Adobe Arabic" pitchFamily="18" charset="-78"/>
+              </a:rPr>
+              <a:t>ж</a:t>
+            </a:r>
+            <a:endParaRPr lang="en-US" sz="5400" b="1">
+              <a:solidFill>
+                <a:schemeClr val="bg1">
+                  <a:lumMod val="65000"/>
+                </a:schemeClr>
+              </a:solidFill>
+              <a:latin typeface="Gabriola" pitchFamily="82" charset="0"/>
+              <a:ea typeface="Adobe Fan Heiti Std B" pitchFamily="34" charset="-128"/>
+              <a:cs typeface="Adobe Arabic" pitchFamily="18" charset="-78"/>
+            </a:endParaRPr>
+          </a:p>
+        </p:txBody>
+      </p:sp>
+      <p:sp>
+        <p:nvSpPr>
+          <p:cNvPr id="82" name="TextBox 81"/>
+          <p:cNvSpPr txBox="1"/>
+          <p:nvPr/>
+        </p:nvSpPr>
+        <p:spPr>
+          <a:xfrm>
+            <a:off x="8099612" y="3810000"/>
+            <a:ext cx="780312" cy="923318"/>
+          </a:xfrm>
+          <a:prstGeom prst="rect">
+            <a:avLst/>
+          </a:prstGeom>
+          <a:noFill/>
+        </p:spPr>
+        <p:txBody>
+          <a:bodyPr wrap="square" lIns="91429" tIns="45714" rIns="91429" bIns="45714" rtlCol="0">
+            <a:spAutoFit/>
+          </a:bodyPr>
+          <a:lstStyle/>
+          <a:p>
+            <a:pPr algn="ctr"/>
+            <a:r>
+              <a:rPr lang="el-GR" sz="5400" b="1">
+                <a:solidFill>
+                  <a:schemeClr val="bg1">
+                    <a:lumMod val="65000"/>
+                  </a:schemeClr>
+                </a:solidFill>
+                <a:latin typeface="Gabriola" pitchFamily="82" charset="0"/>
+                <a:ea typeface="Adobe Fan Heiti Std B" pitchFamily="34" charset="-128"/>
+                <a:cs typeface="Adobe Arabic" pitchFamily="18" charset="-78"/>
+              </a:rPr>
+              <a:t>Θ</a:t>
+            </a:r>
+            <a:endParaRPr lang="en-US" sz="5400" b="1">
+              <a:solidFill>
+                <a:schemeClr val="bg1">
+                  <a:lumMod val="65000"/>
+                </a:schemeClr>
+              </a:solidFill>
+              <a:latin typeface="Gabriola" pitchFamily="82" charset="0"/>
+              <a:ea typeface="Adobe Fan Heiti Std B" pitchFamily="34" charset="-128"/>
+              <a:cs typeface="Adobe Arabic" pitchFamily="18" charset="-78"/>
+            </a:endParaRPr>
+          </a:p>
+        </p:txBody>
+      </p:sp>
+      <p:sp>
+        <p:nvSpPr>
+          <p:cNvPr id="83" name="TextBox 82"/>
+          <p:cNvSpPr txBox="1"/>
+          <p:nvPr/>
+        </p:nvSpPr>
+        <p:spPr>
+          <a:xfrm>
+            <a:off x="7296888" y="2209800"/>
+            <a:ext cx="780312" cy="923318"/>
+          </a:xfrm>
+          <a:prstGeom prst="rect">
+            <a:avLst/>
+          </a:prstGeom>
+          <a:noFill/>
+        </p:spPr>
+        <p:txBody>
+          <a:bodyPr wrap="square" lIns="91429" tIns="45714" rIns="91429" bIns="45714" rtlCol="0">
+            <a:spAutoFit/>
+          </a:bodyPr>
+          <a:lstStyle/>
+          <a:p>
+            <a:pPr algn="ctr"/>
+            <a:r>
+              <a:rPr lang="ru-RU" sz="5400" b="1">
+                <a:solidFill>
+                  <a:schemeClr val="bg1">
+                    <a:lumMod val="65000"/>
+                  </a:schemeClr>
+                </a:solidFill>
+                <a:latin typeface="Gabriola" pitchFamily="82" charset="0"/>
+                <a:ea typeface="Adobe Fan Heiti Std B" pitchFamily="34" charset="-128"/>
+                <a:cs typeface="Adobe Arabic" pitchFamily="18" charset="-78"/>
+              </a:rPr>
+              <a:t>с</a:t>
+            </a:r>
+            <a:endParaRPr lang="en-US" sz="5400" b="1">
+              <a:solidFill>
+                <a:schemeClr val="bg1">
+                  <a:lumMod val="65000"/>
+                </a:schemeClr>
+              </a:solidFill>
+              <a:latin typeface="Gabriola" pitchFamily="82" charset="0"/>
+              <a:ea typeface="Adobe Fan Heiti Std B" pitchFamily="34" charset="-128"/>
+              <a:cs typeface="Adobe Arabic" pitchFamily="18" charset="-78"/>
+            </a:endParaRPr>
+          </a:p>
+        </p:txBody>
+      </p:sp>
     </p:spTree>
     <p:extLst>
       <p:ext uri="{BB962C8B-B14F-4D97-AF65-F5344CB8AC3E}">
@@ -8069,7 +8718,7 @@
         </p:blipFill>
         <p:spPr bwMode="auto">
           <a:xfrm>
-            <a:off x="3324225" y="2840067"/>
+            <a:off x="3324225" y="2789267"/>
             <a:ext cx="361950" cy="533400"/>
           </a:xfrm>
           <a:prstGeom prst="rect">
@@ -8573,7 +9222,7 @@
         </p:nvSpPr>
         <p:spPr>
           <a:xfrm>
-            <a:off x="5381171" y="3196770"/>
+            <a:off x="3962400" y="2895600"/>
             <a:ext cx="1019629" cy="430875"/>
           </a:xfrm>
           <a:prstGeom prst="rect">
@@ -8595,7 +9244,16 @@
                 </a:solidFill>
                 <a:latin typeface="Bookman Old Style" pitchFamily="18" charset="0"/>
               </a:rPr>
-              <a:t>/ei/</a:t>
+              <a:t>/ai</a:t>
+            </a:r>
+            <a:r>
+              <a:rPr lang="en-US" sz="2200" b="1" smtClean="0">
+                <a:solidFill>
+                  <a:schemeClr val="accent6"/>
+                </a:solidFill>
+                <a:latin typeface="Bookman Old Style" pitchFamily="18" charset="0"/>
+              </a:rPr>
+              <a:t>/</a:t>
             </a:r>
             <a:endParaRPr lang="en-US" sz="2200" b="1">
               <a:solidFill>
@@ -11807,6 +12465,88 @@
           </a:extLst>
         </p:spPr>
       </p:pic>
+      <p:sp>
+        <p:nvSpPr>
+          <p:cNvPr id="132" name="TextBox 131"/>
+          <p:cNvSpPr txBox="1"/>
+          <p:nvPr/>
+        </p:nvSpPr>
+        <p:spPr>
+          <a:xfrm>
+            <a:off x="5279571" y="3175000"/>
+            <a:ext cx="1019629" cy="430875"/>
+          </a:xfrm>
+          <a:prstGeom prst="rect">
+            <a:avLst/>
+          </a:prstGeom>
+          <a:noFill/>
+        </p:spPr>
+        <p:txBody>
+          <a:bodyPr wrap="square" lIns="91429" tIns="45714" rIns="91429" bIns="45714" rtlCol="0">
+            <a:spAutoFit/>
+          </a:bodyPr>
+          <a:lstStyle/>
+          <a:p>
+            <a:pPr algn="ctr"/>
+            <a:r>
+              <a:rPr lang="en-US" sz="2200" b="1" smtClean="0">
+                <a:solidFill>
+                  <a:schemeClr val="accent6"/>
+                </a:solidFill>
+                <a:latin typeface="Bookman Old Style" pitchFamily="18" charset="0"/>
+              </a:rPr>
+              <a:t>/ei/</a:t>
+            </a:r>
+            <a:endParaRPr lang="en-US" sz="2200" b="1">
+              <a:solidFill>
+                <a:schemeClr val="accent6"/>
+              </a:solidFill>
+              <a:latin typeface="Bookman Old Style" pitchFamily="18" charset="0"/>
+            </a:endParaRPr>
+          </a:p>
+        </p:txBody>
+      </p:sp>
+      <p:sp>
+        <p:nvSpPr>
+          <p:cNvPr id="133" name="TextBox 132"/>
+          <p:cNvSpPr txBox="1"/>
+          <p:nvPr/>
+        </p:nvSpPr>
+        <p:spPr>
+          <a:xfrm>
+            <a:off x="2768600" y="3226725"/>
+            <a:ext cx="1019629" cy="430875"/>
+          </a:xfrm>
+          <a:prstGeom prst="rect">
+            <a:avLst/>
+          </a:prstGeom>
+          <a:noFill/>
+        </p:spPr>
+        <p:txBody>
+          <a:bodyPr wrap="square" lIns="91429" tIns="45714" rIns="91429" bIns="45714" rtlCol="0">
+            <a:spAutoFit/>
+          </a:bodyPr>
+          <a:lstStyle/>
+          <a:p>
+            <a:pPr algn="ctr"/>
+            <a:r>
+              <a:rPr lang="en-US" sz="2200" b="1" smtClean="0">
+                <a:solidFill>
+                  <a:schemeClr val="accent6"/>
+                </a:solidFill>
+                <a:latin typeface="Bookman Old Style" pitchFamily="18" charset="0"/>
+              </a:rPr>
+              <a:t>/a?/</a:t>
+            </a:r>
+            <a:endParaRPr lang="en-US" sz="2200" b="1">
+              <a:solidFill>
+                <a:schemeClr val="accent6"/>
+              </a:solidFill>
+              <a:latin typeface="Bookman Old Style" pitchFamily="18" charset="0"/>
+            </a:endParaRPr>
+          </a:p>
+        </p:txBody>
+      </p:sp>
     </p:spTree>
     <p:extLst>
       <p:ext uri="{BB962C8B-B14F-4D97-AF65-F5344CB8AC3E}">
